--- a/ppt 16-9/0356.来信耶稣.pptx
+++ b/ppt 16-9/0356.来信耶稣.pptx
@@ -5,7 +5,7 @@
     <p:sldMasterId id="2147483648" r:id="rId1"/>
   </p:sldMasterIdLst>
   <p:sldIdLst>
-    <p:sldId id="3262" r:id="rId2"/>
+    <p:sldId id="3264" r:id="rId2"/>
   </p:sldIdLst>
   <p:sldSz cx="12192000" cy="6858000"/>
   <p:notesSz cx="6858000" cy="9144000"/>
@@ -129,7 +129,7 @@
           <p:cNvPr id="2" name="标题 1">
             <a:extLst>
               <a:ext uri="{FF2B5EF4-FFF2-40B4-BE49-F238E27FC236}">
-                <a16:creationId xmlns:a16="http://schemas.microsoft.com/office/drawing/2014/main" id="{2571CF6E-77B6-2F7D-84F9-8C447D8B1A5C}"/>
+                <a16:creationId xmlns:a16="http://schemas.microsoft.com/office/drawing/2014/main" id="{A7D6627B-6550-9FD1-315C-60C89CA2C1F1}"/>
               </a:ext>
             </a:extLst>
           </p:cNvPr>
@@ -166,7 +166,7 @@
           <p:cNvPr id="3" name="副标题 2">
             <a:extLst>
               <a:ext uri="{FF2B5EF4-FFF2-40B4-BE49-F238E27FC236}">
-                <a16:creationId xmlns:a16="http://schemas.microsoft.com/office/drawing/2014/main" id="{FF18DBF4-90F5-9B54-E4B5-9CB698E701CA}"/>
+                <a16:creationId xmlns:a16="http://schemas.microsoft.com/office/drawing/2014/main" id="{BB0F2F10-565E-D070-DF66-BBBA17864A38}"/>
               </a:ext>
             </a:extLst>
           </p:cNvPr>
@@ -236,7 +236,7 @@
           <p:cNvPr id="4" name="日期占位符 3">
             <a:extLst>
               <a:ext uri="{FF2B5EF4-FFF2-40B4-BE49-F238E27FC236}">
-                <a16:creationId xmlns:a16="http://schemas.microsoft.com/office/drawing/2014/main" id="{F2A5114F-4207-61F2-E672-98B6F8746AEC}"/>
+                <a16:creationId xmlns:a16="http://schemas.microsoft.com/office/drawing/2014/main" id="{7D266769-B3DC-4A60-7DE1-A38FB6949CD3}"/>
               </a:ext>
             </a:extLst>
           </p:cNvPr>
@@ -252,7 +252,7 @@
           <a:bodyPr/>
           <a:lstStyle/>
           <a:p>
-            <a:fld id="{FD7E3392-C29C-48DA-9B01-DDD095387007}" type="datetimeFigureOut">
+            <a:fld id="{B9BC43BF-0C17-45D2-A9B4-ABC412395BB8}" type="datetimeFigureOut">
               <a:rPr lang="zh-CN" altLang="en-US" smtClean="0"/>
               <a:t>2024/3/10</a:t>
             </a:fld>
@@ -265,7 +265,7 @@
           <p:cNvPr id="5" name="页脚占位符 4">
             <a:extLst>
               <a:ext uri="{FF2B5EF4-FFF2-40B4-BE49-F238E27FC236}">
-                <a16:creationId xmlns:a16="http://schemas.microsoft.com/office/drawing/2014/main" id="{CB9E2515-56C4-0E68-C872-3D45194F9730}"/>
+                <a16:creationId xmlns:a16="http://schemas.microsoft.com/office/drawing/2014/main" id="{F4E8A750-DCFF-BB49-7D52-675340A407E0}"/>
               </a:ext>
             </a:extLst>
           </p:cNvPr>
@@ -290,7 +290,7 @@
           <p:cNvPr id="6" name="灯片编号占位符 5">
             <a:extLst>
               <a:ext uri="{FF2B5EF4-FFF2-40B4-BE49-F238E27FC236}">
-                <a16:creationId xmlns:a16="http://schemas.microsoft.com/office/drawing/2014/main" id="{67078A2F-C775-134A-EC6F-3DBC79D860BC}"/>
+                <a16:creationId xmlns:a16="http://schemas.microsoft.com/office/drawing/2014/main" id="{A376133E-09AB-0C27-DBA1-AD3482ACAA47}"/>
               </a:ext>
             </a:extLst>
           </p:cNvPr>
@@ -306,7 +306,7 @@
           <a:bodyPr/>
           <a:lstStyle/>
           <a:p>
-            <a:fld id="{60321328-02A9-4078-B66D-90F977672254}" type="slidenum">
+            <a:fld id="{4E78EA56-4697-4F86-A378-ED65F62E2468}" type="slidenum">
               <a:rPr lang="zh-CN" altLang="en-US" smtClean="0"/>
               <a:t>‹#›</a:t>
             </a:fld>
@@ -317,7 +317,7 @@
     </p:spTree>
     <p:extLst>
       <p:ext uri="{BB962C8B-B14F-4D97-AF65-F5344CB8AC3E}">
-        <p14:creationId xmlns:p14="http://schemas.microsoft.com/office/powerpoint/2010/main" val="1417651852"/>
+        <p14:creationId xmlns:p14="http://schemas.microsoft.com/office/powerpoint/2010/main" val="2577908987"/>
       </p:ext>
     </p:extLst>
   </p:cSld>
@@ -349,7 +349,7 @@
           <p:cNvPr id="2" name="标题 1">
             <a:extLst>
               <a:ext uri="{FF2B5EF4-FFF2-40B4-BE49-F238E27FC236}">
-                <a16:creationId xmlns:a16="http://schemas.microsoft.com/office/drawing/2014/main" id="{507C27F1-E4BE-93FF-1046-A051EE404E74}"/>
+                <a16:creationId xmlns:a16="http://schemas.microsoft.com/office/drawing/2014/main" id="{786D0C9A-8DA0-E9FC-D9EF-5CC08FEAD4B1}"/>
               </a:ext>
             </a:extLst>
           </p:cNvPr>
@@ -377,7 +377,7 @@
           <p:cNvPr id="3" name="竖排文字占位符 2">
             <a:extLst>
               <a:ext uri="{FF2B5EF4-FFF2-40B4-BE49-F238E27FC236}">
-                <a16:creationId xmlns:a16="http://schemas.microsoft.com/office/drawing/2014/main" id="{B4277C2F-CDCC-26FB-6A1B-5FE32828A164}"/>
+                <a16:creationId xmlns:a16="http://schemas.microsoft.com/office/drawing/2014/main" id="{5DEF4898-FD0F-4EE5-37E9-B57856669428}"/>
               </a:ext>
             </a:extLst>
           </p:cNvPr>
@@ -434,7 +434,7 @@
           <p:cNvPr id="4" name="日期占位符 3">
             <a:extLst>
               <a:ext uri="{FF2B5EF4-FFF2-40B4-BE49-F238E27FC236}">
-                <a16:creationId xmlns:a16="http://schemas.microsoft.com/office/drawing/2014/main" id="{815D94CE-9FAD-CC4F-D21F-DE3DD6B3E656}"/>
+                <a16:creationId xmlns:a16="http://schemas.microsoft.com/office/drawing/2014/main" id="{FE4EC584-0113-66E0-2ED2-3BD959D165EE}"/>
               </a:ext>
             </a:extLst>
           </p:cNvPr>
@@ -450,7 +450,7 @@
           <a:bodyPr/>
           <a:lstStyle/>
           <a:p>
-            <a:fld id="{FD7E3392-C29C-48DA-9B01-DDD095387007}" type="datetimeFigureOut">
+            <a:fld id="{B9BC43BF-0C17-45D2-A9B4-ABC412395BB8}" type="datetimeFigureOut">
               <a:rPr lang="zh-CN" altLang="en-US" smtClean="0"/>
               <a:t>2024/3/10</a:t>
             </a:fld>
@@ -463,7 +463,7 @@
           <p:cNvPr id="5" name="页脚占位符 4">
             <a:extLst>
               <a:ext uri="{FF2B5EF4-FFF2-40B4-BE49-F238E27FC236}">
-                <a16:creationId xmlns:a16="http://schemas.microsoft.com/office/drawing/2014/main" id="{212CFB96-CF96-02E6-5A01-2039AF4B0D55}"/>
+                <a16:creationId xmlns:a16="http://schemas.microsoft.com/office/drawing/2014/main" id="{F4D6DC59-6791-0948-4DD6-57BA1919B96D}"/>
               </a:ext>
             </a:extLst>
           </p:cNvPr>
@@ -488,7 +488,7 @@
           <p:cNvPr id="6" name="灯片编号占位符 5">
             <a:extLst>
               <a:ext uri="{FF2B5EF4-FFF2-40B4-BE49-F238E27FC236}">
-                <a16:creationId xmlns:a16="http://schemas.microsoft.com/office/drawing/2014/main" id="{EFAFD68D-07A9-8960-480A-EBDA31CEE626}"/>
+                <a16:creationId xmlns:a16="http://schemas.microsoft.com/office/drawing/2014/main" id="{F6965B78-88EA-0F20-8CB4-7AB082B5C98E}"/>
               </a:ext>
             </a:extLst>
           </p:cNvPr>
@@ -504,7 +504,7 @@
           <a:bodyPr/>
           <a:lstStyle/>
           <a:p>
-            <a:fld id="{60321328-02A9-4078-B66D-90F977672254}" type="slidenum">
+            <a:fld id="{4E78EA56-4697-4F86-A378-ED65F62E2468}" type="slidenum">
               <a:rPr lang="zh-CN" altLang="en-US" smtClean="0"/>
               <a:t>‹#›</a:t>
             </a:fld>
@@ -515,7 +515,7 @@
     </p:spTree>
     <p:extLst>
       <p:ext uri="{BB962C8B-B14F-4D97-AF65-F5344CB8AC3E}">
-        <p14:creationId xmlns:p14="http://schemas.microsoft.com/office/powerpoint/2010/main" val="2700290021"/>
+        <p14:creationId xmlns:p14="http://schemas.microsoft.com/office/powerpoint/2010/main" val="1952621832"/>
       </p:ext>
     </p:extLst>
   </p:cSld>
@@ -547,7 +547,7 @@
           <p:cNvPr id="2" name="竖排标题 1">
             <a:extLst>
               <a:ext uri="{FF2B5EF4-FFF2-40B4-BE49-F238E27FC236}">
-                <a16:creationId xmlns:a16="http://schemas.microsoft.com/office/drawing/2014/main" id="{59B0732E-D744-6C6A-55F4-01352D6768F1}"/>
+                <a16:creationId xmlns:a16="http://schemas.microsoft.com/office/drawing/2014/main" id="{6D5FC89F-9579-6B9E-8BAB-66AB01CA6925}"/>
               </a:ext>
             </a:extLst>
           </p:cNvPr>
@@ -580,7 +580,7 @@
           <p:cNvPr id="3" name="竖排文字占位符 2">
             <a:extLst>
               <a:ext uri="{FF2B5EF4-FFF2-40B4-BE49-F238E27FC236}">
-                <a16:creationId xmlns:a16="http://schemas.microsoft.com/office/drawing/2014/main" id="{EF06BEC3-B450-FFD3-9C37-7B1179D16A8C}"/>
+                <a16:creationId xmlns:a16="http://schemas.microsoft.com/office/drawing/2014/main" id="{8B93BD0C-9DCE-1180-69A8-FAE5C61B41C2}"/>
               </a:ext>
             </a:extLst>
           </p:cNvPr>
@@ -642,7 +642,7 @@
           <p:cNvPr id="4" name="日期占位符 3">
             <a:extLst>
               <a:ext uri="{FF2B5EF4-FFF2-40B4-BE49-F238E27FC236}">
-                <a16:creationId xmlns:a16="http://schemas.microsoft.com/office/drawing/2014/main" id="{42C26E5B-48DF-7989-3321-939F4CDD1A17}"/>
+                <a16:creationId xmlns:a16="http://schemas.microsoft.com/office/drawing/2014/main" id="{2A1AED08-4BB5-5CB6-0E76-4E40C5894506}"/>
               </a:ext>
             </a:extLst>
           </p:cNvPr>
@@ -658,7 +658,7 @@
           <a:bodyPr/>
           <a:lstStyle/>
           <a:p>
-            <a:fld id="{FD7E3392-C29C-48DA-9B01-DDD095387007}" type="datetimeFigureOut">
+            <a:fld id="{B9BC43BF-0C17-45D2-A9B4-ABC412395BB8}" type="datetimeFigureOut">
               <a:rPr lang="zh-CN" altLang="en-US" smtClean="0"/>
               <a:t>2024/3/10</a:t>
             </a:fld>
@@ -671,7 +671,7 @@
           <p:cNvPr id="5" name="页脚占位符 4">
             <a:extLst>
               <a:ext uri="{FF2B5EF4-FFF2-40B4-BE49-F238E27FC236}">
-                <a16:creationId xmlns:a16="http://schemas.microsoft.com/office/drawing/2014/main" id="{D13D13CC-63A4-C3BC-9677-4B80C0326487}"/>
+                <a16:creationId xmlns:a16="http://schemas.microsoft.com/office/drawing/2014/main" id="{FB1F5CE1-C876-0789-4271-3977A879C7C2}"/>
               </a:ext>
             </a:extLst>
           </p:cNvPr>
@@ -696,7 +696,7 @@
           <p:cNvPr id="6" name="灯片编号占位符 5">
             <a:extLst>
               <a:ext uri="{FF2B5EF4-FFF2-40B4-BE49-F238E27FC236}">
-                <a16:creationId xmlns:a16="http://schemas.microsoft.com/office/drawing/2014/main" id="{32F3710C-76F1-58A5-77D0-3C6FD798F44F}"/>
+                <a16:creationId xmlns:a16="http://schemas.microsoft.com/office/drawing/2014/main" id="{813F1A29-2B15-12BA-C738-B8405F7DA0BB}"/>
               </a:ext>
             </a:extLst>
           </p:cNvPr>
@@ -712,7 +712,7 @@
           <a:bodyPr/>
           <a:lstStyle/>
           <a:p>
-            <a:fld id="{60321328-02A9-4078-B66D-90F977672254}" type="slidenum">
+            <a:fld id="{4E78EA56-4697-4F86-A378-ED65F62E2468}" type="slidenum">
               <a:rPr lang="zh-CN" altLang="en-US" smtClean="0"/>
               <a:t>‹#›</a:t>
             </a:fld>
@@ -723,7 +723,7 @@
     </p:spTree>
     <p:extLst>
       <p:ext uri="{BB962C8B-B14F-4D97-AF65-F5344CB8AC3E}">
-        <p14:creationId xmlns:p14="http://schemas.microsoft.com/office/powerpoint/2010/main" val="1398501194"/>
+        <p14:creationId xmlns:p14="http://schemas.microsoft.com/office/powerpoint/2010/main" val="3261592204"/>
       </p:ext>
     </p:extLst>
   </p:cSld>
@@ -755,7 +755,7 @@
           <p:cNvPr id="2" name="标题 1">
             <a:extLst>
               <a:ext uri="{FF2B5EF4-FFF2-40B4-BE49-F238E27FC236}">
-                <a16:creationId xmlns:a16="http://schemas.microsoft.com/office/drawing/2014/main" id="{1496B9BC-D14A-044C-4583-CF5D2A4AF7D8}"/>
+                <a16:creationId xmlns:a16="http://schemas.microsoft.com/office/drawing/2014/main" id="{09F7BBAD-EA4B-0D8F-9FB6-18E34EE597B1}"/>
               </a:ext>
             </a:extLst>
           </p:cNvPr>
@@ -783,7 +783,7 @@
           <p:cNvPr id="3" name="内容占位符 2">
             <a:extLst>
               <a:ext uri="{FF2B5EF4-FFF2-40B4-BE49-F238E27FC236}">
-                <a16:creationId xmlns:a16="http://schemas.microsoft.com/office/drawing/2014/main" id="{7332CCC0-0897-52B5-3C03-F465A8F5177A}"/>
+                <a16:creationId xmlns:a16="http://schemas.microsoft.com/office/drawing/2014/main" id="{A11390C6-88FE-19C6-60A2-1D1F720B2AF2}"/>
               </a:ext>
             </a:extLst>
           </p:cNvPr>
@@ -840,7 +840,7 @@
           <p:cNvPr id="4" name="日期占位符 3">
             <a:extLst>
               <a:ext uri="{FF2B5EF4-FFF2-40B4-BE49-F238E27FC236}">
-                <a16:creationId xmlns:a16="http://schemas.microsoft.com/office/drawing/2014/main" id="{E9991F35-4189-68EB-DF30-EF37F52AF07D}"/>
+                <a16:creationId xmlns:a16="http://schemas.microsoft.com/office/drawing/2014/main" id="{E8492779-97BC-A998-A754-736828154D47}"/>
               </a:ext>
             </a:extLst>
           </p:cNvPr>
@@ -856,7 +856,7 @@
           <a:bodyPr/>
           <a:lstStyle/>
           <a:p>
-            <a:fld id="{FD7E3392-C29C-48DA-9B01-DDD095387007}" type="datetimeFigureOut">
+            <a:fld id="{B9BC43BF-0C17-45D2-A9B4-ABC412395BB8}" type="datetimeFigureOut">
               <a:rPr lang="zh-CN" altLang="en-US" smtClean="0"/>
               <a:t>2024/3/10</a:t>
             </a:fld>
@@ -869,7 +869,7 @@
           <p:cNvPr id="5" name="页脚占位符 4">
             <a:extLst>
               <a:ext uri="{FF2B5EF4-FFF2-40B4-BE49-F238E27FC236}">
-                <a16:creationId xmlns:a16="http://schemas.microsoft.com/office/drawing/2014/main" id="{41D2A180-A9F0-A0D6-FBA0-792D1C21196B}"/>
+                <a16:creationId xmlns:a16="http://schemas.microsoft.com/office/drawing/2014/main" id="{81F9874C-0F91-454E-6CCA-EBFCD2BA0DC5}"/>
               </a:ext>
             </a:extLst>
           </p:cNvPr>
@@ -894,7 +894,7 @@
           <p:cNvPr id="6" name="灯片编号占位符 5">
             <a:extLst>
               <a:ext uri="{FF2B5EF4-FFF2-40B4-BE49-F238E27FC236}">
-                <a16:creationId xmlns:a16="http://schemas.microsoft.com/office/drawing/2014/main" id="{784B5A24-4C2C-8937-883D-2ED9ACA4BAD7}"/>
+                <a16:creationId xmlns:a16="http://schemas.microsoft.com/office/drawing/2014/main" id="{5A23EFDF-7C16-044B-91A9-3DAED94253F9}"/>
               </a:ext>
             </a:extLst>
           </p:cNvPr>
@@ -910,7 +910,7 @@
           <a:bodyPr/>
           <a:lstStyle/>
           <a:p>
-            <a:fld id="{60321328-02A9-4078-B66D-90F977672254}" type="slidenum">
+            <a:fld id="{4E78EA56-4697-4F86-A378-ED65F62E2468}" type="slidenum">
               <a:rPr lang="zh-CN" altLang="en-US" smtClean="0"/>
               <a:t>‹#›</a:t>
             </a:fld>
@@ -921,7 +921,7 @@
     </p:spTree>
     <p:extLst>
       <p:ext uri="{BB962C8B-B14F-4D97-AF65-F5344CB8AC3E}">
-        <p14:creationId xmlns:p14="http://schemas.microsoft.com/office/powerpoint/2010/main" val="1585275543"/>
+        <p14:creationId xmlns:p14="http://schemas.microsoft.com/office/powerpoint/2010/main" val="289108428"/>
       </p:ext>
     </p:extLst>
   </p:cSld>
@@ -953,7 +953,7 @@
           <p:cNvPr id="2" name="标题 1">
             <a:extLst>
               <a:ext uri="{FF2B5EF4-FFF2-40B4-BE49-F238E27FC236}">
-                <a16:creationId xmlns:a16="http://schemas.microsoft.com/office/drawing/2014/main" id="{A76BD615-D664-D865-F6B1-4CC52EF83051}"/>
+                <a16:creationId xmlns:a16="http://schemas.microsoft.com/office/drawing/2014/main" id="{1B6D8B6F-CA65-E66C-AED3-EF28F6E482D6}"/>
               </a:ext>
             </a:extLst>
           </p:cNvPr>
@@ -990,7 +990,7 @@
           <p:cNvPr id="3" name="文本占位符 2">
             <a:extLst>
               <a:ext uri="{FF2B5EF4-FFF2-40B4-BE49-F238E27FC236}">
-                <a16:creationId xmlns:a16="http://schemas.microsoft.com/office/drawing/2014/main" id="{347B040E-1144-5205-A0E6-F5DAD844A998}"/>
+                <a16:creationId xmlns:a16="http://schemas.microsoft.com/office/drawing/2014/main" id="{DE63D88D-80AD-E42E-4603-537D52C2DE0A}"/>
               </a:ext>
             </a:extLst>
           </p:cNvPr>
@@ -1115,7 +1115,7 @@
           <p:cNvPr id="4" name="日期占位符 3">
             <a:extLst>
               <a:ext uri="{FF2B5EF4-FFF2-40B4-BE49-F238E27FC236}">
-                <a16:creationId xmlns:a16="http://schemas.microsoft.com/office/drawing/2014/main" id="{CF3615CE-5C73-EDE1-55A2-324D3C32368D}"/>
+                <a16:creationId xmlns:a16="http://schemas.microsoft.com/office/drawing/2014/main" id="{FA86ABBA-FA24-91E0-DE81-43FB94528488}"/>
               </a:ext>
             </a:extLst>
           </p:cNvPr>
@@ -1131,7 +1131,7 @@
           <a:bodyPr/>
           <a:lstStyle/>
           <a:p>
-            <a:fld id="{FD7E3392-C29C-48DA-9B01-DDD095387007}" type="datetimeFigureOut">
+            <a:fld id="{B9BC43BF-0C17-45D2-A9B4-ABC412395BB8}" type="datetimeFigureOut">
               <a:rPr lang="zh-CN" altLang="en-US" smtClean="0"/>
               <a:t>2024/3/10</a:t>
             </a:fld>
@@ -1144,7 +1144,7 @@
           <p:cNvPr id="5" name="页脚占位符 4">
             <a:extLst>
               <a:ext uri="{FF2B5EF4-FFF2-40B4-BE49-F238E27FC236}">
-                <a16:creationId xmlns:a16="http://schemas.microsoft.com/office/drawing/2014/main" id="{339189EB-72FC-832D-29C1-F067080DD11F}"/>
+                <a16:creationId xmlns:a16="http://schemas.microsoft.com/office/drawing/2014/main" id="{8C3872E9-A666-AB60-651F-6FA1A41DB9A0}"/>
               </a:ext>
             </a:extLst>
           </p:cNvPr>
@@ -1169,7 +1169,7 @@
           <p:cNvPr id="6" name="灯片编号占位符 5">
             <a:extLst>
               <a:ext uri="{FF2B5EF4-FFF2-40B4-BE49-F238E27FC236}">
-                <a16:creationId xmlns:a16="http://schemas.microsoft.com/office/drawing/2014/main" id="{A89B6991-BF15-91EA-E03F-5B373E6ED527}"/>
+                <a16:creationId xmlns:a16="http://schemas.microsoft.com/office/drawing/2014/main" id="{D95468B1-5E89-6796-E442-88F51D181801}"/>
               </a:ext>
             </a:extLst>
           </p:cNvPr>
@@ -1185,7 +1185,7 @@
           <a:bodyPr/>
           <a:lstStyle/>
           <a:p>
-            <a:fld id="{60321328-02A9-4078-B66D-90F977672254}" type="slidenum">
+            <a:fld id="{4E78EA56-4697-4F86-A378-ED65F62E2468}" type="slidenum">
               <a:rPr lang="zh-CN" altLang="en-US" smtClean="0"/>
               <a:t>‹#›</a:t>
             </a:fld>
@@ -1196,7 +1196,7 @@
     </p:spTree>
     <p:extLst>
       <p:ext uri="{BB962C8B-B14F-4D97-AF65-F5344CB8AC3E}">
-        <p14:creationId xmlns:p14="http://schemas.microsoft.com/office/powerpoint/2010/main" val="180213151"/>
+        <p14:creationId xmlns:p14="http://schemas.microsoft.com/office/powerpoint/2010/main" val="3769550653"/>
       </p:ext>
     </p:extLst>
   </p:cSld>
@@ -1228,7 +1228,7 @@
           <p:cNvPr id="2" name="标题 1">
             <a:extLst>
               <a:ext uri="{FF2B5EF4-FFF2-40B4-BE49-F238E27FC236}">
-                <a16:creationId xmlns:a16="http://schemas.microsoft.com/office/drawing/2014/main" id="{A30E5339-89F9-6B07-25B0-3B9AB21E4974}"/>
+                <a16:creationId xmlns:a16="http://schemas.microsoft.com/office/drawing/2014/main" id="{9B1D96ED-19FA-BAFF-EDB7-DD0DB300C1C1}"/>
               </a:ext>
             </a:extLst>
           </p:cNvPr>
@@ -1256,7 +1256,7 @@
           <p:cNvPr id="3" name="内容占位符 2">
             <a:extLst>
               <a:ext uri="{FF2B5EF4-FFF2-40B4-BE49-F238E27FC236}">
-                <a16:creationId xmlns:a16="http://schemas.microsoft.com/office/drawing/2014/main" id="{689CC212-9B08-BDD9-7731-61C70E1425A9}"/>
+                <a16:creationId xmlns:a16="http://schemas.microsoft.com/office/drawing/2014/main" id="{A8064474-4D9C-1120-9B34-4D5577E8202A}"/>
               </a:ext>
             </a:extLst>
           </p:cNvPr>
@@ -1318,7 +1318,7 @@
           <p:cNvPr id="4" name="内容占位符 3">
             <a:extLst>
               <a:ext uri="{FF2B5EF4-FFF2-40B4-BE49-F238E27FC236}">
-                <a16:creationId xmlns:a16="http://schemas.microsoft.com/office/drawing/2014/main" id="{D84ABD8C-C6CE-554E-BCFF-C080430C078A}"/>
+                <a16:creationId xmlns:a16="http://schemas.microsoft.com/office/drawing/2014/main" id="{A2E89A4A-156C-4579-27ED-BFF468BD25DD}"/>
               </a:ext>
             </a:extLst>
           </p:cNvPr>
@@ -1380,7 +1380,7 @@
           <p:cNvPr id="5" name="日期占位符 4">
             <a:extLst>
               <a:ext uri="{FF2B5EF4-FFF2-40B4-BE49-F238E27FC236}">
-                <a16:creationId xmlns:a16="http://schemas.microsoft.com/office/drawing/2014/main" id="{E339657B-3EC8-2190-8D85-E73DD5CD8C42}"/>
+                <a16:creationId xmlns:a16="http://schemas.microsoft.com/office/drawing/2014/main" id="{EBD79614-0B06-1BE4-297B-0BBE5E641A7F}"/>
               </a:ext>
             </a:extLst>
           </p:cNvPr>
@@ -1396,7 +1396,7 @@
           <a:bodyPr/>
           <a:lstStyle/>
           <a:p>
-            <a:fld id="{FD7E3392-C29C-48DA-9B01-DDD095387007}" type="datetimeFigureOut">
+            <a:fld id="{B9BC43BF-0C17-45D2-A9B4-ABC412395BB8}" type="datetimeFigureOut">
               <a:rPr lang="zh-CN" altLang="en-US" smtClean="0"/>
               <a:t>2024/3/10</a:t>
             </a:fld>
@@ -1409,7 +1409,7 @@
           <p:cNvPr id="6" name="页脚占位符 5">
             <a:extLst>
               <a:ext uri="{FF2B5EF4-FFF2-40B4-BE49-F238E27FC236}">
-                <a16:creationId xmlns:a16="http://schemas.microsoft.com/office/drawing/2014/main" id="{41878AAE-61BF-2FFC-1881-27B6A02F376F}"/>
+                <a16:creationId xmlns:a16="http://schemas.microsoft.com/office/drawing/2014/main" id="{BD3735CF-0E28-14FB-CAC2-B934DC492F7E}"/>
               </a:ext>
             </a:extLst>
           </p:cNvPr>
@@ -1434,7 +1434,7 @@
           <p:cNvPr id="7" name="灯片编号占位符 6">
             <a:extLst>
               <a:ext uri="{FF2B5EF4-FFF2-40B4-BE49-F238E27FC236}">
-                <a16:creationId xmlns:a16="http://schemas.microsoft.com/office/drawing/2014/main" id="{2EF8B003-C0AC-19F1-CB14-E05E6E4D0310}"/>
+                <a16:creationId xmlns:a16="http://schemas.microsoft.com/office/drawing/2014/main" id="{43580CD6-BE5E-585E-78A9-0DDD6F2E0D62}"/>
               </a:ext>
             </a:extLst>
           </p:cNvPr>
@@ -1450,7 +1450,7 @@
           <a:bodyPr/>
           <a:lstStyle/>
           <a:p>
-            <a:fld id="{60321328-02A9-4078-B66D-90F977672254}" type="slidenum">
+            <a:fld id="{4E78EA56-4697-4F86-A378-ED65F62E2468}" type="slidenum">
               <a:rPr lang="zh-CN" altLang="en-US" smtClean="0"/>
               <a:t>‹#›</a:t>
             </a:fld>
@@ -1461,7 +1461,7 @@
     </p:spTree>
     <p:extLst>
       <p:ext uri="{BB962C8B-B14F-4D97-AF65-F5344CB8AC3E}">
-        <p14:creationId xmlns:p14="http://schemas.microsoft.com/office/powerpoint/2010/main" val="1038481667"/>
+        <p14:creationId xmlns:p14="http://schemas.microsoft.com/office/powerpoint/2010/main" val="592775419"/>
       </p:ext>
     </p:extLst>
   </p:cSld>
@@ -1493,7 +1493,7 @@
           <p:cNvPr id="2" name="标题 1">
             <a:extLst>
               <a:ext uri="{FF2B5EF4-FFF2-40B4-BE49-F238E27FC236}">
-                <a16:creationId xmlns:a16="http://schemas.microsoft.com/office/drawing/2014/main" id="{EA5769C3-A69B-35C6-B860-1BD901E00DF9}"/>
+                <a16:creationId xmlns:a16="http://schemas.microsoft.com/office/drawing/2014/main" id="{671FDE6A-5AA2-8AA3-2791-F1A6F21EFA85}"/>
               </a:ext>
             </a:extLst>
           </p:cNvPr>
@@ -1526,7 +1526,7 @@
           <p:cNvPr id="3" name="文本占位符 2">
             <a:extLst>
               <a:ext uri="{FF2B5EF4-FFF2-40B4-BE49-F238E27FC236}">
-                <a16:creationId xmlns:a16="http://schemas.microsoft.com/office/drawing/2014/main" id="{23CC2C4C-1B1D-1060-4940-8BEA841C3200}"/>
+                <a16:creationId xmlns:a16="http://schemas.microsoft.com/office/drawing/2014/main" id="{019639D7-FD40-2E81-1C95-3CC8276C9182}"/>
               </a:ext>
             </a:extLst>
           </p:cNvPr>
@@ -1597,7 +1597,7 @@
           <p:cNvPr id="4" name="内容占位符 3">
             <a:extLst>
               <a:ext uri="{FF2B5EF4-FFF2-40B4-BE49-F238E27FC236}">
-                <a16:creationId xmlns:a16="http://schemas.microsoft.com/office/drawing/2014/main" id="{2B7CA01B-660C-F169-6B20-1CD2BF8655D9}"/>
+                <a16:creationId xmlns:a16="http://schemas.microsoft.com/office/drawing/2014/main" id="{3F84C95A-527B-3526-3623-F06156DD79D7}"/>
               </a:ext>
             </a:extLst>
           </p:cNvPr>
@@ -1659,7 +1659,7 @@
           <p:cNvPr id="5" name="文本占位符 4">
             <a:extLst>
               <a:ext uri="{FF2B5EF4-FFF2-40B4-BE49-F238E27FC236}">
-                <a16:creationId xmlns:a16="http://schemas.microsoft.com/office/drawing/2014/main" id="{2F6443F4-E516-8344-A3DF-997F64D106F5}"/>
+                <a16:creationId xmlns:a16="http://schemas.microsoft.com/office/drawing/2014/main" id="{4CE94DFE-853F-8D8E-CCF5-CD925A4151A4}"/>
               </a:ext>
             </a:extLst>
           </p:cNvPr>
@@ -1730,7 +1730,7 @@
           <p:cNvPr id="6" name="内容占位符 5">
             <a:extLst>
               <a:ext uri="{FF2B5EF4-FFF2-40B4-BE49-F238E27FC236}">
-                <a16:creationId xmlns:a16="http://schemas.microsoft.com/office/drawing/2014/main" id="{A2C6740B-7256-9984-54DA-C790A2F343A9}"/>
+                <a16:creationId xmlns:a16="http://schemas.microsoft.com/office/drawing/2014/main" id="{CC5BF48F-B3E5-BA7A-6889-4C6234BA6594}"/>
               </a:ext>
             </a:extLst>
           </p:cNvPr>
@@ -1792,7 +1792,7 @@
           <p:cNvPr id="7" name="日期占位符 6">
             <a:extLst>
               <a:ext uri="{FF2B5EF4-FFF2-40B4-BE49-F238E27FC236}">
-                <a16:creationId xmlns:a16="http://schemas.microsoft.com/office/drawing/2014/main" id="{B6FF5667-6AE5-9F6E-D21B-9FAE6B1C7C46}"/>
+                <a16:creationId xmlns:a16="http://schemas.microsoft.com/office/drawing/2014/main" id="{8A451C01-4F0F-86E9-4643-3F6AB477A2E0}"/>
               </a:ext>
             </a:extLst>
           </p:cNvPr>
@@ -1808,7 +1808,7 @@
           <a:bodyPr/>
           <a:lstStyle/>
           <a:p>
-            <a:fld id="{FD7E3392-C29C-48DA-9B01-DDD095387007}" type="datetimeFigureOut">
+            <a:fld id="{B9BC43BF-0C17-45D2-A9B4-ABC412395BB8}" type="datetimeFigureOut">
               <a:rPr lang="zh-CN" altLang="en-US" smtClean="0"/>
               <a:t>2024/3/10</a:t>
             </a:fld>
@@ -1821,7 +1821,7 @@
           <p:cNvPr id="8" name="页脚占位符 7">
             <a:extLst>
               <a:ext uri="{FF2B5EF4-FFF2-40B4-BE49-F238E27FC236}">
-                <a16:creationId xmlns:a16="http://schemas.microsoft.com/office/drawing/2014/main" id="{D3BD9209-09AA-7D25-ADAA-C55671325EC2}"/>
+                <a16:creationId xmlns:a16="http://schemas.microsoft.com/office/drawing/2014/main" id="{2C5ACC1F-CFD7-B9C3-1136-C0FA18E84166}"/>
               </a:ext>
             </a:extLst>
           </p:cNvPr>
@@ -1846,7 +1846,7 @@
           <p:cNvPr id="9" name="灯片编号占位符 8">
             <a:extLst>
               <a:ext uri="{FF2B5EF4-FFF2-40B4-BE49-F238E27FC236}">
-                <a16:creationId xmlns:a16="http://schemas.microsoft.com/office/drawing/2014/main" id="{E2D0FBC9-020F-9E9A-D816-33100782760E}"/>
+                <a16:creationId xmlns:a16="http://schemas.microsoft.com/office/drawing/2014/main" id="{3E0D9603-386A-62F8-D660-6184A0E5576D}"/>
               </a:ext>
             </a:extLst>
           </p:cNvPr>
@@ -1862,7 +1862,7 @@
           <a:bodyPr/>
           <a:lstStyle/>
           <a:p>
-            <a:fld id="{60321328-02A9-4078-B66D-90F977672254}" type="slidenum">
+            <a:fld id="{4E78EA56-4697-4F86-A378-ED65F62E2468}" type="slidenum">
               <a:rPr lang="zh-CN" altLang="en-US" smtClean="0"/>
               <a:t>‹#›</a:t>
             </a:fld>
@@ -1873,7 +1873,7 @@
     </p:spTree>
     <p:extLst>
       <p:ext uri="{BB962C8B-B14F-4D97-AF65-F5344CB8AC3E}">
-        <p14:creationId xmlns:p14="http://schemas.microsoft.com/office/powerpoint/2010/main" val="3488413895"/>
+        <p14:creationId xmlns:p14="http://schemas.microsoft.com/office/powerpoint/2010/main" val="3774266905"/>
       </p:ext>
     </p:extLst>
   </p:cSld>
@@ -1905,7 +1905,7 @@
           <p:cNvPr id="2" name="标题 1">
             <a:extLst>
               <a:ext uri="{FF2B5EF4-FFF2-40B4-BE49-F238E27FC236}">
-                <a16:creationId xmlns:a16="http://schemas.microsoft.com/office/drawing/2014/main" id="{3921A2D2-8904-7F4C-D9C9-F67D0D3BC0BF}"/>
+                <a16:creationId xmlns:a16="http://schemas.microsoft.com/office/drawing/2014/main" id="{A9EFD96F-121C-4388-569E-B03E47E2DDB6}"/>
               </a:ext>
             </a:extLst>
           </p:cNvPr>
@@ -1933,7 +1933,7 @@
           <p:cNvPr id="3" name="日期占位符 2">
             <a:extLst>
               <a:ext uri="{FF2B5EF4-FFF2-40B4-BE49-F238E27FC236}">
-                <a16:creationId xmlns:a16="http://schemas.microsoft.com/office/drawing/2014/main" id="{0B196DE1-8A47-4A7A-E6B9-D64246ACA820}"/>
+                <a16:creationId xmlns:a16="http://schemas.microsoft.com/office/drawing/2014/main" id="{C510AE88-E229-C323-90A9-A76A25798708}"/>
               </a:ext>
             </a:extLst>
           </p:cNvPr>
@@ -1949,7 +1949,7 @@
           <a:bodyPr/>
           <a:lstStyle/>
           <a:p>
-            <a:fld id="{FD7E3392-C29C-48DA-9B01-DDD095387007}" type="datetimeFigureOut">
+            <a:fld id="{B9BC43BF-0C17-45D2-A9B4-ABC412395BB8}" type="datetimeFigureOut">
               <a:rPr lang="zh-CN" altLang="en-US" smtClean="0"/>
               <a:t>2024/3/10</a:t>
             </a:fld>
@@ -1962,7 +1962,7 @@
           <p:cNvPr id="4" name="页脚占位符 3">
             <a:extLst>
               <a:ext uri="{FF2B5EF4-FFF2-40B4-BE49-F238E27FC236}">
-                <a16:creationId xmlns:a16="http://schemas.microsoft.com/office/drawing/2014/main" id="{F6A28B8C-E90D-0B7E-94F4-44B7C38AD0EF}"/>
+                <a16:creationId xmlns:a16="http://schemas.microsoft.com/office/drawing/2014/main" id="{E49A9A6B-2BAE-A8F6-4EC7-0B5C38BE5705}"/>
               </a:ext>
             </a:extLst>
           </p:cNvPr>
@@ -1987,7 +1987,7 @@
           <p:cNvPr id="5" name="灯片编号占位符 4">
             <a:extLst>
               <a:ext uri="{FF2B5EF4-FFF2-40B4-BE49-F238E27FC236}">
-                <a16:creationId xmlns:a16="http://schemas.microsoft.com/office/drawing/2014/main" id="{FEE503C5-3429-E2BA-0A9A-160215CFDAC0}"/>
+                <a16:creationId xmlns:a16="http://schemas.microsoft.com/office/drawing/2014/main" id="{9023AE97-98D3-30D7-A958-5DAFF4702018}"/>
               </a:ext>
             </a:extLst>
           </p:cNvPr>
@@ -2003,7 +2003,7 @@
           <a:bodyPr/>
           <a:lstStyle/>
           <a:p>
-            <a:fld id="{60321328-02A9-4078-B66D-90F977672254}" type="slidenum">
+            <a:fld id="{4E78EA56-4697-4F86-A378-ED65F62E2468}" type="slidenum">
               <a:rPr lang="zh-CN" altLang="en-US" smtClean="0"/>
               <a:t>‹#›</a:t>
             </a:fld>
@@ -2014,7 +2014,7 @@
     </p:spTree>
     <p:extLst>
       <p:ext uri="{BB962C8B-B14F-4D97-AF65-F5344CB8AC3E}">
-        <p14:creationId xmlns:p14="http://schemas.microsoft.com/office/powerpoint/2010/main" val="1318142824"/>
+        <p14:creationId xmlns:p14="http://schemas.microsoft.com/office/powerpoint/2010/main" val="4214343320"/>
       </p:ext>
     </p:extLst>
   </p:cSld>
@@ -2046,7 +2046,7 @@
           <p:cNvPr id="2" name="日期占位符 1">
             <a:extLst>
               <a:ext uri="{FF2B5EF4-FFF2-40B4-BE49-F238E27FC236}">
-                <a16:creationId xmlns:a16="http://schemas.microsoft.com/office/drawing/2014/main" id="{3B611F14-FBAA-303C-2DA4-FA47E573497E}"/>
+                <a16:creationId xmlns:a16="http://schemas.microsoft.com/office/drawing/2014/main" id="{5335C542-C0BA-1308-F931-6DE6EC5D20CF}"/>
               </a:ext>
             </a:extLst>
           </p:cNvPr>
@@ -2062,7 +2062,7 @@
           <a:bodyPr/>
           <a:lstStyle/>
           <a:p>
-            <a:fld id="{FD7E3392-C29C-48DA-9B01-DDD095387007}" type="datetimeFigureOut">
+            <a:fld id="{B9BC43BF-0C17-45D2-A9B4-ABC412395BB8}" type="datetimeFigureOut">
               <a:rPr lang="zh-CN" altLang="en-US" smtClean="0"/>
               <a:t>2024/3/10</a:t>
             </a:fld>
@@ -2075,7 +2075,7 @@
           <p:cNvPr id="3" name="页脚占位符 2">
             <a:extLst>
               <a:ext uri="{FF2B5EF4-FFF2-40B4-BE49-F238E27FC236}">
-                <a16:creationId xmlns:a16="http://schemas.microsoft.com/office/drawing/2014/main" id="{1BD0D387-6070-B608-3640-B889E6D9D565}"/>
+                <a16:creationId xmlns:a16="http://schemas.microsoft.com/office/drawing/2014/main" id="{CC9B82EB-88DB-B303-B722-25E28EA369F4}"/>
               </a:ext>
             </a:extLst>
           </p:cNvPr>
@@ -2100,7 +2100,7 @@
           <p:cNvPr id="4" name="灯片编号占位符 3">
             <a:extLst>
               <a:ext uri="{FF2B5EF4-FFF2-40B4-BE49-F238E27FC236}">
-                <a16:creationId xmlns:a16="http://schemas.microsoft.com/office/drawing/2014/main" id="{93A997CB-3AA5-B66F-3D2F-1955558C0167}"/>
+                <a16:creationId xmlns:a16="http://schemas.microsoft.com/office/drawing/2014/main" id="{028BEE74-F02D-DA5D-DB2C-2DD4CD56CC3D}"/>
               </a:ext>
             </a:extLst>
           </p:cNvPr>
@@ -2116,7 +2116,7 @@
           <a:bodyPr/>
           <a:lstStyle/>
           <a:p>
-            <a:fld id="{60321328-02A9-4078-B66D-90F977672254}" type="slidenum">
+            <a:fld id="{4E78EA56-4697-4F86-A378-ED65F62E2468}" type="slidenum">
               <a:rPr lang="zh-CN" altLang="en-US" smtClean="0"/>
               <a:t>‹#›</a:t>
             </a:fld>
@@ -2127,7 +2127,7 @@
     </p:spTree>
     <p:extLst>
       <p:ext uri="{BB962C8B-B14F-4D97-AF65-F5344CB8AC3E}">
-        <p14:creationId xmlns:p14="http://schemas.microsoft.com/office/powerpoint/2010/main" val="1815902796"/>
+        <p14:creationId xmlns:p14="http://schemas.microsoft.com/office/powerpoint/2010/main" val="3885700678"/>
       </p:ext>
     </p:extLst>
   </p:cSld>
@@ -2159,7 +2159,7 @@
           <p:cNvPr id="2" name="标题 1">
             <a:extLst>
               <a:ext uri="{FF2B5EF4-FFF2-40B4-BE49-F238E27FC236}">
-                <a16:creationId xmlns:a16="http://schemas.microsoft.com/office/drawing/2014/main" id="{DBCF5CCE-47E4-6C3D-A658-B78408DE7F9A}"/>
+                <a16:creationId xmlns:a16="http://schemas.microsoft.com/office/drawing/2014/main" id="{538D7EF0-C8F8-FD36-656F-DBCF963FCE8B}"/>
               </a:ext>
             </a:extLst>
           </p:cNvPr>
@@ -2196,7 +2196,7 @@
           <p:cNvPr id="3" name="内容占位符 2">
             <a:extLst>
               <a:ext uri="{FF2B5EF4-FFF2-40B4-BE49-F238E27FC236}">
-                <a16:creationId xmlns:a16="http://schemas.microsoft.com/office/drawing/2014/main" id="{A96DE448-DB0E-69F0-4FA5-E8ED73F889DD}"/>
+                <a16:creationId xmlns:a16="http://schemas.microsoft.com/office/drawing/2014/main" id="{22FEDA49-78EA-827F-5F9A-9064343FB8DC}"/>
               </a:ext>
             </a:extLst>
           </p:cNvPr>
@@ -2286,7 +2286,7 @@
           <p:cNvPr id="4" name="文本占位符 3">
             <a:extLst>
               <a:ext uri="{FF2B5EF4-FFF2-40B4-BE49-F238E27FC236}">
-                <a16:creationId xmlns:a16="http://schemas.microsoft.com/office/drawing/2014/main" id="{8DDBB8A4-9797-FCB3-8A88-1627C49D04EF}"/>
+                <a16:creationId xmlns:a16="http://schemas.microsoft.com/office/drawing/2014/main" id="{A5740C1D-54FD-22F0-80F7-34EB86E6DD08}"/>
               </a:ext>
             </a:extLst>
           </p:cNvPr>
@@ -2357,7 +2357,7 @@
           <p:cNvPr id="5" name="日期占位符 4">
             <a:extLst>
               <a:ext uri="{FF2B5EF4-FFF2-40B4-BE49-F238E27FC236}">
-                <a16:creationId xmlns:a16="http://schemas.microsoft.com/office/drawing/2014/main" id="{5249CAA2-7DC3-FA4C-976C-035110AD51F9}"/>
+                <a16:creationId xmlns:a16="http://schemas.microsoft.com/office/drawing/2014/main" id="{F681B7CC-7A47-D0AB-95E4-7A7D52BE242E}"/>
               </a:ext>
             </a:extLst>
           </p:cNvPr>
@@ -2373,7 +2373,7 @@
           <a:bodyPr/>
           <a:lstStyle/>
           <a:p>
-            <a:fld id="{FD7E3392-C29C-48DA-9B01-DDD095387007}" type="datetimeFigureOut">
+            <a:fld id="{B9BC43BF-0C17-45D2-A9B4-ABC412395BB8}" type="datetimeFigureOut">
               <a:rPr lang="zh-CN" altLang="en-US" smtClean="0"/>
               <a:t>2024/3/10</a:t>
             </a:fld>
@@ -2386,7 +2386,7 @@
           <p:cNvPr id="6" name="页脚占位符 5">
             <a:extLst>
               <a:ext uri="{FF2B5EF4-FFF2-40B4-BE49-F238E27FC236}">
-                <a16:creationId xmlns:a16="http://schemas.microsoft.com/office/drawing/2014/main" id="{B4800BE2-0A14-C42B-14A0-73F05894C797}"/>
+                <a16:creationId xmlns:a16="http://schemas.microsoft.com/office/drawing/2014/main" id="{2227060A-59D4-FA6C-8CBA-2C82FE6A82C3}"/>
               </a:ext>
             </a:extLst>
           </p:cNvPr>
@@ -2411,7 +2411,7 @@
           <p:cNvPr id="7" name="灯片编号占位符 6">
             <a:extLst>
               <a:ext uri="{FF2B5EF4-FFF2-40B4-BE49-F238E27FC236}">
-                <a16:creationId xmlns:a16="http://schemas.microsoft.com/office/drawing/2014/main" id="{21393B61-4758-8C83-0936-BFE2568C8DD6}"/>
+                <a16:creationId xmlns:a16="http://schemas.microsoft.com/office/drawing/2014/main" id="{CCACF2FA-2B43-C480-C8F3-B85FC2A06C90}"/>
               </a:ext>
             </a:extLst>
           </p:cNvPr>
@@ -2427,7 +2427,7 @@
           <a:bodyPr/>
           <a:lstStyle/>
           <a:p>
-            <a:fld id="{60321328-02A9-4078-B66D-90F977672254}" type="slidenum">
+            <a:fld id="{4E78EA56-4697-4F86-A378-ED65F62E2468}" type="slidenum">
               <a:rPr lang="zh-CN" altLang="en-US" smtClean="0"/>
               <a:t>‹#›</a:t>
             </a:fld>
@@ -2438,7 +2438,7 @@
     </p:spTree>
     <p:extLst>
       <p:ext uri="{BB962C8B-B14F-4D97-AF65-F5344CB8AC3E}">
-        <p14:creationId xmlns:p14="http://schemas.microsoft.com/office/powerpoint/2010/main" val="1783852284"/>
+        <p14:creationId xmlns:p14="http://schemas.microsoft.com/office/powerpoint/2010/main" val="621444836"/>
       </p:ext>
     </p:extLst>
   </p:cSld>
@@ -2470,7 +2470,7 @@
           <p:cNvPr id="2" name="标题 1">
             <a:extLst>
               <a:ext uri="{FF2B5EF4-FFF2-40B4-BE49-F238E27FC236}">
-                <a16:creationId xmlns:a16="http://schemas.microsoft.com/office/drawing/2014/main" id="{DBD10FD0-7C20-729D-CA45-80D2206D2D21}"/>
+                <a16:creationId xmlns:a16="http://schemas.microsoft.com/office/drawing/2014/main" id="{CBF846E7-7A85-8EA9-C350-AF58F7F11680}"/>
               </a:ext>
             </a:extLst>
           </p:cNvPr>
@@ -2507,7 +2507,7 @@
           <p:cNvPr id="3" name="图片占位符 2">
             <a:extLst>
               <a:ext uri="{FF2B5EF4-FFF2-40B4-BE49-F238E27FC236}">
-                <a16:creationId xmlns:a16="http://schemas.microsoft.com/office/drawing/2014/main" id="{367BD09E-3513-4355-0051-8AB1AE242E85}"/>
+                <a16:creationId xmlns:a16="http://schemas.microsoft.com/office/drawing/2014/main" id="{EDA79F7A-40EB-BC23-4407-9B519EB151AA}"/>
               </a:ext>
             </a:extLst>
           </p:cNvPr>
@@ -2574,7 +2574,7 @@
           <p:cNvPr id="4" name="文本占位符 3">
             <a:extLst>
               <a:ext uri="{FF2B5EF4-FFF2-40B4-BE49-F238E27FC236}">
-                <a16:creationId xmlns:a16="http://schemas.microsoft.com/office/drawing/2014/main" id="{DCD69749-F230-59EF-DA93-763BE4CEF419}"/>
+                <a16:creationId xmlns:a16="http://schemas.microsoft.com/office/drawing/2014/main" id="{269942F5-6BD6-E857-F6F5-411A4F4827AB}"/>
               </a:ext>
             </a:extLst>
           </p:cNvPr>
@@ -2645,7 +2645,7 @@
           <p:cNvPr id="5" name="日期占位符 4">
             <a:extLst>
               <a:ext uri="{FF2B5EF4-FFF2-40B4-BE49-F238E27FC236}">
-                <a16:creationId xmlns:a16="http://schemas.microsoft.com/office/drawing/2014/main" id="{9FE9A628-2BD7-32C7-6F84-F5F2B8AC455A}"/>
+                <a16:creationId xmlns:a16="http://schemas.microsoft.com/office/drawing/2014/main" id="{10163EE3-86B7-C710-583E-7C8F388DBD34}"/>
               </a:ext>
             </a:extLst>
           </p:cNvPr>
@@ -2661,7 +2661,7 @@
           <a:bodyPr/>
           <a:lstStyle/>
           <a:p>
-            <a:fld id="{FD7E3392-C29C-48DA-9B01-DDD095387007}" type="datetimeFigureOut">
+            <a:fld id="{B9BC43BF-0C17-45D2-A9B4-ABC412395BB8}" type="datetimeFigureOut">
               <a:rPr lang="zh-CN" altLang="en-US" smtClean="0"/>
               <a:t>2024/3/10</a:t>
             </a:fld>
@@ -2674,7 +2674,7 @@
           <p:cNvPr id="6" name="页脚占位符 5">
             <a:extLst>
               <a:ext uri="{FF2B5EF4-FFF2-40B4-BE49-F238E27FC236}">
-                <a16:creationId xmlns:a16="http://schemas.microsoft.com/office/drawing/2014/main" id="{9C617E71-F2D4-06CF-CCB1-6B203F29D4A1}"/>
+                <a16:creationId xmlns:a16="http://schemas.microsoft.com/office/drawing/2014/main" id="{277D5224-B4C1-862F-F23C-4CDA13107E71}"/>
               </a:ext>
             </a:extLst>
           </p:cNvPr>
@@ -2699,7 +2699,7 @@
           <p:cNvPr id="7" name="灯片编号占位符 6">
             <a:extLst>
               <a:ext uri="{FF2B5EF4-FFF2-40B4-BE49-F238E27FC236}">
-                <a16:creationId xmlns:a16="http://schemas.microsoft.com/office/drawing/2014/main" id="{DA3079E7-11AA-5341-6A53-1E6261EB56F1}"/>
+                <a16:creationId xmlns:a16="http://schemas.microsoft.com/office/drawing/2014/main" id="{FEE84EF6-8FFF-1B6D-5741-6A86A130A4C9}"/>
               </a:ext>
             </a:extLst>
           </p:cNvPr>
@@ -2715,7 +2715,7 @@
           <a:bodyPr/>
           <a:lstStyle/>
           <a:p>
-            <a:fld id="{60321328-02A9-4078-B66D-90F977672254}" type="slidenum">
+            <a:fld id="{4E78EA56-4697-4F86-A378-ED65F62E2468}" type="slidenum">
               <a:rPr lang="zh-CN" altLang="en-US" smtClean="0"/>
               <a:t>‹#›</a:t>
             </a:fld>
@@ -2726,7 +2726,7 @@
     </p:spTree>
     <p:extLst>
       <p:ext uri="{BB962C8B-B14F-4D97-AF65-F5344CB8AC3E}">
-        <p14:creationId xmlns:p14="http://schemas.microsoft.com/office/powerpoint/2010/main" val="2994998707"/>
+        <p14:creationId xmlns:p14="http://schemas.microsoft.com/office/powerpoint/2010/main" val="1457744112"/>
       </p:ext>
     </p:extLst>
   </p:cSld>
@@ -2763,7 +2763,7 @@
           <p:cNvPr id="2" name="标题占位符 1">
             <a:extLst>
               <a:ext uri="{FF2B5EF4-FFF2-40B4-BE49-F238E27FC236}">
-                <a16:creationId xmlns:a16="http://schemas.microsoft.com/office/drawing/2014/main" id="{0F75FA3C-31F0-0FFF-8784-2CD800A79EC7}"/>
+                <a16:creationId xmlns:a16="http://schemas.microsoft.com/office/drawing/2014/main" id="{32332EBD-6404-D84D-7947-D39557BCD17B}"/>
               </a:ext>
             </a:extLst>
           </p:cNvPr>
@@ -2801,7 +2801,7 @@
           <p:cNvPr id="3" name="文本占位符 2">
             <a:extLst>
               <a:ext uri="{FF2B5EF4-FFF2-40B4-BE49-F238E27FC236}">
-                <a16:creationId xmlns:a16="http://schemas.microsoft.com/office/drawing/2014/main" id="{D32861C4-1B28-E137-163A-5E9557D3CC5D}"/>
+                <a16:creationId xmlns:a16="http://schemas.microsoft.com/office/drawing/2014/main" id="{BA1D9649-7FEA-46AD-A9AA-28586C9C051B}"/>
               </a:ext>
             </a:extLst>
           </p:cNvPr>
@@ -2868,7 +2868,7 @@
           <p:cNvPr id="4" name="日期占位符 3">
             <a:extLst>
               <a:ext uri="{FF2B5EF4-FFF2-40B4-BE49-F238E27FC236}">
-                <a16:creationId xmlns:a16="http://schemas.microsoft.com/office/drawing/2014/main" id="{1A7282E2-6858-E2E8-8EA4-7EFDC7AC908B}"/>
+                <a16:creationId xmlns:a16="http://schemas.microsoft.com/office/drawing/2014/main" id="{BFDDDDA1-41C2-2A31-CFC0-23108D95219C}"/>
               </a:ext>
             </a:extLst>
           </p:cNvPr>
@@ -2902,7 +2902,7 @@
             </a:lvl1pPr>
           </a:lstStyle>
           <a:p>
-            <a:fld id="{FD7E3392-C29C-48DA-9B01-DDD095387007}" type="datetimeFigureOut">
+            <a:fld id="{B9BC43BF-0C17-45D2-A9B4-ABC412395BB8}" type="datetimeFigureOut">
               <a:rPr lang="zh-CN" altLang="en-US" smtClean="0"/>
               <a:t>2024/3/10</a:t>
             </a:fld>
@@ -2915,7 +2915,7 @@
           <p:cNvPr id="5" name="页脚占位符 4">
             <a:extLst>
               <a:ext uri="{FF2B5EF4-FFF2-40B4-BE49-F238E27FC236}">
-                <a16:creationId xmlns:a16="http://schemas.microsoft.com/office/drawing/2014/main" id="{5776D84A-3400-7F24-E55A-1642A1AB3676}"/>
+                <a16:creationId xmlns:a16="http://schemas.microsoft.com/office/drawing/2014/main" id="{80A8213D-7C41-9A3E-E349-EC875C8A09DE}"/>
               </a:ext>
             </a:extLst>
           </p:cNvPr>
@@ -2958,7 +2958,7 @@
           <p:cNvPr id="6" name="灯片编号占位符 5">
             <a:extLst>
               <a:ext uri="{FF2B5EF4-FFF2-40B4-BE49-F238E27FC236}">
-                <a16:creationId xmlns:a16="http://schemas.microsoft.com/office/drawing/2014/main" id="{45C24E7C-6690-A52E-CC1C-4A55F2DFB520}"/>
+                <a16:creationId xmlns:a16="http://schemas.microsoft.com/office/drawing/2014/main" id="{F6669FCD-0734-819A-ED44-21453F8D8621}"/>
               </a:ext>
             </a:extLst>
           </p:cNvPr>
@@ -2992,7 +2992,7 @@
             </a:lvl1pPr>
           </a:lstStyle>
           <a:p>
-            <a:fld id="{60321328-02A9-4078-B66D-90F977672254}" type="slidenum">
+            <a:fld id="{4E78EA56-4697-4F86-A378-ED65F62E2468}" type="slidenum">
               <a:rPr lang="zh-CN" altLang="en-US" smtClean="0"/>
               <a:t>‹#›</a:t>
             </a:fld>
@@ -3003,7 +3003,7 @@
     </p:spTree>
     <p:extLst>
       <p:ext uri="{BB962C8B-B14F-4D97-AF65-F5344CB8AC3E}">
-        <p14:creationId xmlns:p14="http://schemas.microsoft.com/office/powerpoint/2010/main" val="780083078"/>
+        <p14:creationId xmlns:p14="http://schemas.microsoft.com/office/powerpoint/2010/main" val="874093453"/>
       </p:ext>
     </p:extLst>
   </p:cSld>
@@ -3323,7 +3323,7 @@
       </p:grpSpPr>
       <p:pic>
         <p:nvPicPr>
-          <p:cNvPr id="364546" name="Picture 2" descr="355"/>
+          <p:cNvPr id="365570" name="Picture 2" descr="356"/>
           <p:cNvPicPr>
             <a:picLocks noChangeAspect="1" noChangeArrowheads="1"/>
           </p:cNvPicPr>
@@ -3344,8 +3344,8 @@
         </p:blipFill>
         <p:spPr bwMode="auto">
           <a:xfrm>
-            <a:off x="1524000" y="1"/>
-            <a:ext cx="9144000" cy="6861175"/>
+            <a:off x="1524000" y="0"/>
+            <a:ext cx="9144000" cy="6859588"/>
           </a:xfrm>
           <a:prstGeom prst="rect">
             <a:avLst/>
@@ -3375,158 +3375,11 @@
           </a:extLst>
         </p:spPr>
       </p:pic>
-      <p:pic>
-        <p:nvPicPr>
-          <p:cNvPr id="365571" name="Picture 3" descr="355-2"/>
-          <p:cNvPicPr>
-            <a:picLocks noChangeAspect="1" noChangeArrowheads="1"/>
-          </p:cNvPicPr>
-          <p:nvPr/>
-        </p:nvPicPr>
-        <p:blipFill>
-          <a:blip r:embed="rId3">
-            <a:extLst>
-              <a:ext uri="{28A0092B-C50C-407E-A947-70E740481C1C}">
-                <a14:useLocalDpi xmlns:a14="http://schemas.microsoft.com/office/drawing/2010/main" val="0"/>
-              </a:ext>
-            </a:extLst>
-          </a:blip>
-          <a:srcRect/>
-          <a:stretch>
-            <a:fillRect/>
-          </a:stretch>
-        </p:blipFill>
-        <p:spPr bwMode="auto">
-          <a:xfrm>
-            <a:off x="1524000" y="0"/>
-            <a:ext cx="9144000" cy="6858000"/>
-          </a:xfrm>
-          <a:prstGeom prst="rect">
-            <a:avLst/>
-          </a:prstGeom>
-          <a:noFill/>
-          <a:ln>
-            <a:noFill/>
-          </a:ln>
-          <a:effectLst/>
-          <a:extLst>
-            <a:ext uri="{909E8E84-426E-40DD-AFC4-6F175D3DCCD1}">
-              <a14:hiddenFill xmlns:a14="http://schemas.microsoft.com/office/drawing/2010/main">
-                <a:solidFill>
-                  <a:srgbClr val="FFFFFF"/>
-                </a:solidFill>
-              </a14:hiddenFill>
-            </a:ext>
-            <a:ext uri="{91240B29-F687-4F45-9708-019B960494DF}">
-              <a14:hiddenLine xmlns:a14="http://schemas.microsoft.com/office/drawing/2010/main" w="9525">
-                <a:solidFill>
-                  <a:srgbClr val="000000"/>
-                </a:solidFill>
-                <a:miter lim="800000"/>
-                <a:headEnd/>
-                <a:tailEnd/>
-              </a14:hiddenLine>
-            </a:ext>
-            <a:ext uri="{AF507438-7753-43E0-B8FC-AC1667EBCBE1}">
-              <a14:hiddenEffects xmlns:a14="http://schemas.microsoft.com/office/drawing/2010/main">
-                <a:effectLst>
-                  <a:outerShdw dist="35921" dir="2700000" algn="ctr" rotWithShape="0">
-                    <a:srgbClr val="808080"/>
-                  </a:outerShdw>
-                </a:effectLst>
-              </a14:hiddenEffects>
-            </a:ext>
-          </a:extLst>
-        </p:spPr>
-      </p:pic>
     </p:spTree>
   </p:cSld>
   <p:clrMapOvr>
     <a:masterClrMapping/>
   </p:clrMapOvr>
-  <p:timing>
-    <p:tnLst>
-      <p:par>
-        <p:cTn id="1" dur="indefinite" restart="never" nodeType="tmRoot">
-          <p:childTnLst>
-            <p:seq concurrent="1" nextAc="seek">
-              <p:cTn id="2" dur="indefinite" nodeType="mainSeq">
-                <p:childTnLst>
-                  <p:par>
-                    <p:cTn id="3" fill="hold" nodeType="clickPar">
-                      <p:stCondLst>
-                        <p:cond delay="indefinite"/>
-                      </p:stCondLst>
-                      <p:childTnLst>
-                        <p:par>
-                          <p:cTn id="4" fill="hold" nodeType="withGroup">
-                            <p:stCondLst>
-                              <p:cond delay="0"/>
-                            </p:stCondLst>
-                            <p:childTnLst>
-                              <p:par>
-                                <p:cTn id="5" presetID="10" presetClass="entr" presetSubtype="0" fill="hold" nodeType="clickEffect">
-                                  <p:stCondLst>
-                                    <p:cond delay="0"/>
-                                  </p:stCondLst>
-                                  <p:childTnLst>
-                                    <p:set>
-                                      <p:cBhvr>
-                                        <p:cTn id="6" dur="1" fill="hold">
-                                          <p:stCondLst>
-                                            <p:cond delay="0"/>
-                                          </p:stCondLst>
-                                        </p:cTn>
-                                        <p:tgtEl>
-                                          <p:spTgt spid="365571"/>
-                                        </p:tgtEl>
-                                        <p:attrNameLst>
-                                          <p:attrName>style.visibility</p:attrName>
-                                        </p:attrNameLst>
-                                      </p:cBhvr>
-                                      <p:to>
-                                        <p:strVal val="visible"/>
-                                      </p:to>
-                                    </p:set>
-                                    <p:animEffect transition="in" filter="fade">
-                                      <p:cBhvr>
-                                        <p:cTn id="7" dur="500"/>
-                                        <p:tgtEl>
-                                          <p:spTgt spid="365571"/>
-                                        </p:tgtEl>
-                                      </p:cBhvr>
-                                    </p:animEffect>
-                                  </p:childTnLst>
-                                </p:cTn>
-                              </p:par>
-                            </p:childTnLst>
-                          </p:cTn>
-                        </p:par>
-                      </p:childTnLst>
-                    </p:cTn>
-                  </p:par>
-                </p:childTnLst>
-              </p:cTn>
-              <p:prevCondLst>
-                <p:cond evt="onPrev" delay="0">
-                  <p:tgtEl>
-                    <p:sldTgt/>
-                  </p:tgtEl>
-                </p:cond>
-              </p:prevCondLst>
-              <p:nextCondLst>
-                <p:cond evt="onNext" delay="0">
-                  <p:tgtEl>
-                    <p:sldTgt/>
-                  </p:tgtEl>
-                </p:cond>
-              </p:nextCondLst>
-            </p:seq>
-          </p:childTnLst>
-        </p:cTn>
-      </p:par>
-    </p:tnLst>
-  </p:timing>
 </p:sld>
 </file>
 
